--- a/Lestin Jackson PSW - Guided_Capstone.pptx
+++ b/Lestin Jackson PSW - Guided_Capstone.pptx
@@ -257,7 +257,7 @@
       </p15:sldGuideLst>
     </p:ext>
     <p:ext uri="http://customooxmlschemas.google.com/">
-      <go:slidesCustomData xmlns:go="http://customooxmlschemas.google.com/" xmlns:p15="http://schemas.microsoft.com/office/powerpoint/2012/main" xmlns:p14="http://schemas.microsoft.com/office/powerpoint/2010/main" xmlns:com="http://schemas.openxmlformats.org/drawingml/2006/compatibility" xmlns:pvml="urn:schemas-microsoft-com:office:powerpoint" xmlns:v="urn:schemas-microsoft-com:vml" xmlns:o="urn:schemas-microsoft-com:office:office" xmlns:dgm="http://schemas.openxmlformats.org/drawingml/2006/diagram" xmlns:c="http://schemas.openxmlformats.org/drawingml/2006/chart" xmlns:mv="urn:schemas-microsoft-com:mac:vml" xmlns:mc="http://schemas.openxmlformats.org/markup-compatibility/2006" xmlns="" r:id="rId7" roundtripDataSignature="AMtx7mjdo7FECp685JsX7/4pIVeoAktjNA=="/>
+      <go:slidesCustomData xmlns="" xmlns:mc="http://schemas.openxmlformats.org/markup-compatibility/2006" xmlns:mv="urn:schemas-microsoft-com:mac:vml" xmlns:c="http://schemas.openxmlformats.org/drawingml/2006/chart" xmlns:dgm="http://schemas.openxmlformats.org/drawingml/2006/diagram" xmlns:o="urn:schemas-microsoft-com:office:office" xmlns:v="urn:schemas-microsoft-com:vml" xmlns:pvml="urn:schemas-microsoft-com:office:powerpoint" xmlns:com="http://schemas.openxmlformats.org/drawingml/2006/compatibility" xmlns:p14="http://schemas.microsoft.com/office/powerpoint/2010/main" xmlns:p15="http://schemas.microsoft.com/office/powerpoint/2012/main" xmlns:go="http://customooxmlschemas.google.com/" r:id="rId7" roundtripDataSignature="AMtx7mjdo7FECp685JsX7/4pIVeoAktjNA=="/>
     </p:ext>
   </p:extLst>
 </p:presentation>
@@ -268,16 +268,24 @@
   <pc:docChgLst>
     <pc:chgData name="Lestin Jackson" userId="f1461a255df18ad8" providerId="LiveId" clId="{4C86C9A0-58EE-42BF-B7B6-8A6BC9D47A6F}"/>
     <pc:docChg chg="custSel modSld">
-      <pc:chgData name="Lestin Jackson" userId="f1461a255df18ad8" providerId="LiveId" clId="{4C86C9A0-58EE-42BF-B7B6-8A6BC9D47A6F}" dt="2021-01-01T06:40:58.394" v="290" actId="14100"/>
+      <pc:chgData name="Lestin Jackson" userId="f1461a255df18ad8" providerId="LiveId" clId="{4C86C9A0-58EE-42BF-B7B6-8A6BC9D47A6F}" dt="2021-01-01T07:13:19.520" v="467" actId="12"/>
       <pc:docMkLst>
         <pc:docMk/>
       </pc:docMkLst>
       <pc:sldChg chg="modSp mod">
-        <pc:chgData name="Lestin Jackson" userId="f1461a255df18ad8" providerId="LiveId" clId="{4C86C9A0-58EE-42BF-B7B6-8A6BC9D47A6F}" dt="2021-01-01T06:40:58.394" v="290" actId="14100"/>
+        <pc:chgData name="Lestin Jackson" userId="f1461a255df18ad8" providerId="LiveId" clId="{4C86C9A0-58EE-42BF-B7B6-8A6BC9D47A6F}" dt="2021-01-01T07:13:19.520" v="467" actId="12"/>
         <pc:sldMkLst>
           <pc:docMk/>
           <pc:sldMk cId="0" sldId="256"/>
         </pc:sldMkLst>
+        <pc:spChg chg="mod">
+          <ac:chgData name="Lestin Jackson" userId="f1461a255df18ad8" providerId="LiveId" clId="{4C86C9A0-58EE-42BF-B7B6-8A6BC9D47A6F}" dt="2021-01-01T07:13:01.412" v="462" actId="1076"/>
+          <ac:spMkLst>
+            <pc:docMk/>
+            <pc:sldMk cId="0" sldId="256"/>
+            <ac:spMk id="26" creationId="{00000000-0000-0000-0000-000000000000}"/>
+          </ac:spMkLst>
+        </pc:spChg>
         <pc:spChg chg="mod">
           <ac:chgData name="Lestin Jackson" userId="f1461a255df18ad8" providerId="LiveId" clId="{4C86C9A0-58EE-42BF-B7B6-8A6BC9D47A6F}" dt="2021-01-01T06:33:28.645" v="216" actId="1076"/>
           <ac:spMkLst>
@@ -295,6 +303,14 @@
           </ac:spMkLst>
         </pc:spChg>
         <pc:spChg chg="mod">
+          <ac:chgData name="Lestin Jackson" userId="f1461a255df18ad8" providerId="LiveId" clId="{4C86C9A0-58EE-42BF-B7B6-8A6BC9D47A6F}" dt="2021-01-01T07:13:01.412" v="462" actId="1076"/>
+          <ac:spMkLst>
+            <pc:docMk/>
+            <pc:sldMk cId="0" sldId="256"/>
+            <ac:spMk id="29" creationId="{00000000-0000-0000-0000-000000000000}"/>
+          </ac:spMkLst>
+        </pc:spChg>
+        <pc:spChg chg="mod">
           <ac:chgData name="Lestin Jackson" userId="f1461a255df18ad8" providerId="LiveId" clId="{4C86C9A0-58EE-42BF-B7B6-8A6BC9D47A6F}" dt="2021-01-01T06:34:37.759" v="245" actId="15"/>
           <ac:spMkLst>
             <pc:docMk/>
@@ -308,6 +324,22 @@
             <pc:docMk/>
             <pc:sldMk cId="0" sldId="256"/>
             <ac:spMk id="35" creationId="{00000000-0000-0000-0000-000000000000}"/>
+          </ac:spMkLst>
+        </pc:spChg>
+        <pc:spChg chg="mod">
+          <ac:chgData name="Lestin Jackson" userId="f1461a255df18ad8" providerId="LiveId" clId="{4C86C9A0-58EE-42BF-B7B6-8A6BC9D47A6F}" dt="2021-01-01T07:13:19.520" v="467" actId="12"/>
+          <ac:spMkLst>
+            <pc:docMk/>
+            <pc:sldMk cId="0" sldId="256"/>
+            <ac:spMk id="37" creationId="{00000000-0000-0000-0000-000000000000}"/>
+          </ac:spMkLst>
+        </pc:spChg>
+        <pc:spChg chg="mod">
+          <ac:chgData name="Lestin Jackson" userId="f1461a255df18ad8" providerId="LiveId" clId="{4C86C9A0-58EE-42BF-B7B6-8A6BC9D47A6F}" dt="2021-01-01T07:12:38.692" v="460" actId="14100"/>
+          <ac:spMkLst>
+            <pc:docMk/>
+            <pc:sldMk cId="0" sldId="256"/>
+            <ac:spMk id="47" creationId="{00000000-0000-0000-0000-000000000000}"/>
           </ac:spMkLst>
         </pc:spChg>
         <pc:spChg chg="mod">
@@ -4223,7 +4255,7 @@
         </p:nvSpPr>
         <p:spPr>
           <a:xfrm>
-            <a:off x="4668375" y="3207096"/>
+            <a:off x="4638920" y="3695122"/>
             <a:ext cx="288315" cy="288315"/>
           </a:xfrm>
           <a:prstGeom prst="rect">
@@ -4260,7 +4292,7 @@
               <a:buNone/>
             </a:pPr>
             <a:r>
-              <a:rPr lang="en-AU" sz="1428" b="0" i="0" u="none" strike="noStrike" cap="none">
+              <a:rPr lang="en-AU" sz="1428" b="0" i="0" u="none" strike="noStrike" cap="none" dirty="0">
                 <a:solidFill>
                   <a:schemeClr val="lt1"/>
                 </a:solidFill>
@@ -4271,7 +4303,7 @@
               </a:rPr>
               <a:t>5</a:t>
             </a:r>
-            <a:endParaRPr sz="1400" b="0" i="0" u="none" strike="noStrike" cap="none">
+            <a:endParaRPr sz="1400" b="0" i="0" u="none" strike="noStrike" cap="none" dirty="0">
               <a:solidFill>
                 <a:srgbClr val="000000"/>
               </a:solidFill>
@@ -4425,7 +4457,7 @@
         </p:nvSpPr>
         <p:spPr>
           <a:xfrm>
-            <a:off x="5050634" y="3239152"/>
+            <a:off x="5021179" y="3727178"/>
             <a:ext cx="3597454" cy="224203"/>
           </a:xfrm>
           <a:prstGeom prst="rect">
@@ -4460,7 +4492,7 @@
               <a:buNone/>
             </a:pPr>
             <a:r>
-              <a:rPr lang="en-AU" sz="1428" b="0" i="0" u="none" strike="noStrike" cap="none">
+              <a:rPr lang="en-AU" sz="1428" b="0" i="0" u="none" strike="noStrike" cap="none" dirty="0">
                 <a:solidFill>
                   <a:schemeClr val="dk1"/>
                 </a:solidFill>
@@ -4471,7 +4503,7 @@
               </a:rPr>
               <a:t>Stakeholders to provide key insight</a:t>
             </a:r>
-            <a:endParaRPr sz="1400" b="0" i="0" u="none" strike="noStrike" cap="none">
+            <a:endParaRPr sz="1400" b="0" i="0" u="none" strike="noStrike" cap="none" dirty="0">
               <a:solidFill>
                 <a:srgbClr val="000000"/>
               </a:solidFill>
@@ -5099,8 +5131,8 @@
         </p:nvSpPr>
         <p:spPr>
           <a:xfrm>
-            <a:off x="4607126" y="1966314"/>
-            <a:ext cx="4324418" cy="1081065"/>
+            <a:off x="4607125" y="1966313"/>
+            <a:ext cx="4304681" cy="1504229"/>
           </a:xfrm>
           <a:prstGeom prst="rect">
             <a:avLst/>
@@ -5116,17 +5148,18 @@
           </a:bodyPr>
           <a:lstStyle/>
           <a:p>
-            <a:pPr marL="0" marR="0" lvl="0" indent="0" algn="l" rtl="0">
-              <a:lnSpc>
-                <a:spcPct val="100000"/>
-              </a:lnSpc>
-              <a:spcBef>
-                <a:spcPts val="0"/>
-              </a:spcBef>
-              <a:spcAft>
-                <a:spcPts val="0"/>
-              </a:spcAft>
-              <a:buNone/>
+            <a:pPr marL="171450" marR="0" lvl="0" indent="-171450" algn="l" rtl="0">
+              <a:lnSpc>
+                <a:spcPct val="100000"/>
+              </a:lnSpc>
+              <a:spcBef>
+                <a:spcPts val="0"/>
+              </a:spcBef>
+              <a:spcAft>
+                <a:spcPts val="0"/>
+              </a:spcAft>
+              <a:buFont typeface="Arial" panose="020B0604020202020204" pitchFamily="34" charset="0"/>
+              <a:buChar char="•"/>
             </a:pPr>
             <a:r>
               <a:rPr lang="en-AU" sz="1070" i="0" u="none" strike="noStrike" cap="none" dirty="0">
@@ -5144,6 +5177,47 @@
               <a:rPr lang="en-AU" sz="1070" dirty="0"/>
               <a:t>recommendations of our study because of previous commitments or fear that we may be taking on additional risk by changing our pricing for example or deciding that the lifts recently added should be decommissioned if that is what is recommended by our findings.</a:t>
             </a:r>
+          </a:p>
+          <a:p>
+            <a:pPr marL="171450" marR="0" lvl="0" indent="-171450" algn="l" rtl="0">
+              <a:lnSpc>
+                <a:spcPct val="100000"/>
+              </a:lnSpc>
+              <a:spcBef>
+                <a:spcPts val="0"/>
+              </a:spcBef>
+              <a:spcAft>
+                <a:spcPts val="0"/>
+              </a:spcAft>
+              <a:buFont typeface="Arial" panose="020B0604020202020204" pitchFamily="34" charset="0"/>
+              <a:buChar char="•"/>
+            </a:pPr>
+            <a:r>
+              <a:rPr lang="en-AU" sz="1070" i="0" u="none" strike="noStrike" cap="none" dirty="0">
+                <a:solidFill>
+                  <a:srgbClr val="000000"/>
+                </a:solidFill>
+                <a:latin typeface="Arial"/>
+                <a:ea typeface="Arial"/>
+                <a:cs typeface="Arial"/>
+                <a:sym typeface="Arial"/>
+              </a:rPr>
+              <a:t>Big Mountain is also constrained by existing market environment and its competitors. It has to account for prices available from its competitors for similar offerings.</a:t>
+            </a:r>
+          </a:p>
+          <a:p>
+            <a:pPr marL="0" marR="0" lvl="0" indent="0" algn="l" rtl="0">
+              <a:lnSpc>
+                <a:spcPct val="100000"/>
+              </a:lnSpc>
+              <a:spcBef>
+                <a:spcPts val="0"/>
+              </a:spcBef>
+              <a:spcAft>
+                <a:spcPts val="0"/>
+              </a:spcAft>
+              <a:buNone/>
+            </a:pPr>
             <a:endParaRPr sz="1070" i="0" u="none" strike="noStrike" cap="none" dirty="0">
               <a:solidFill>
                 <a:srgbClr val="000000"/>
@@ -5766,8 +5840,8 @@
         </p:nvSpPr>
         <p:spPr>
           <a:xfrm>
-            <a:off x="4587388" y="3530091"/>
-            <a:ext cx="4324418" cy="1081065"/>
+            <a:off x="4587388" y="4208016"/>
+            <a:ext cx="4324418" cy="403140"/>
           </a:xfrm>
           <a:prstGeom prst="rect">
             <a:avLst/>
